--- a/교육내용 ppt정리/220719_박준현_교육내용 정리(CSS).pptx
+++ b/교육내용 ppt정리/220719_박준현_교육내용 정리(CSS).pptx
@@ -284,7 +284,7 @@
           <a:p>
             <a:fld id="{3F8A50C2-589C-42C8-B763-56D87D9D16BD}" type="datetimeFigureOut">
               <a:rPr lang="ko-KR" altLang="en-US" smtClean="0"/>
-              <a:t>2022-07-19</a:t>
+              <a:t>2022-07-22</a:t>
             </a:fld>
             <a:endParaRPr lang="ko-KR" altLang="en-US"/>
           </a:p>
@@ -572,7 +572,7 @@
           <a:p>
             <a:fld id="{3F8A50C2-589C-42C8-B763-56D87D9D16BD}" type="datetimeFigureOut">
               <a:rPr lang="ko-KR" altLang="en-US" smtClean="0"/>
-              <a:t>2022-07-19</a:t>
+              <a:t>2022-07-22</a:t>
             </a:fld>
             <a:endParaRPr lang="ko-KR" altLang="en-US"/>
           </a:p>
@@ -770,7 +770,7 @@
           <a:p>
             <a:fld id="{3F8A50C2-589C-42C8-B763-56D87D9D16BD}" type="datetimeFigureOut">
               <a:rPr lang="ko-KR" altLang="en-US" smtClean="0"/>
-              <a:t>2022-07-19</a:t>
+              <a:t>2022-07-22</a:t>
             </a:fld>
             <a:endParaRPr lang="ko-KR" altLang="en-US"/>
           </a:p>
@@ -978,7 +978,7 @@
           <a:p>
             <a:fld id="{3F8A50C2-589C-42C8-B763-56D87D9D16BD}" type="datetimeFigureOut">
               <a:rPr lang="ko-KR" altLang="en-US" smtClean="0"/>
-              <a:t>2022-07-19</a:t>
+              <a:t>2022-07-22</a:t>
             </a:fld>
             <a:endParaRPr lang="ko-KR" altLang="en-US"/>
           </a:p>
@@ -1176,7 +1176,7 @@
           <a:p>
             <a:fld id="{3F8A50C2-589C-42C8-B763-56D87D9D16BD}" type="datetimeFigureOut">
               <a:rPr lang="ko-KR" altLang="en-US" smtClean="0"/>
-              <a:t>2022-07-19</a:t>
+              <a:t>2022-07-22</a:t>
             </a:fld>
             <a:endParaRPr lang="ko-KR" altLang="en-US"/>
           </a:p>
@@ -1451,7 +1451,7 @@
           <a:p>
             <a:fld id="{3F8A50C2-589C-42C8-B763-56D87D9D16BD}" type="datetimeFigureOut">
               <a:rPr lang="ko-KR" altLang="en-US" smtClean="0"/>
-              <a:t>2022-07-19</a:t>
+              <a:t>2022-07-22</a:t>
             </a:fld>
             <a:endParaRPr lang="ko-KR" altLang="en-US"/>
           </a:p>
@@ -1716,7 +1716,7 @@
           <a:p>
             <a:fld id="{3F8A50C2-589C-42C8-B763-56D87D9D16BD}" type="datetimeFigureOut">
               <a:rPr lang="ko-KR" altLang="en-US" smtClean="0"/>
-              <a:t>2022-07-19</a:t>
+              <a:t>2022-07-22</a:t>
             </a:fld>
             <a:endParaRPr lang="ko-KR" altLang="en-US"/>
           </a:p>
@@ -2128,7 +2128,7 @@
           <a:p>
             <a:fld id="{3F8A50C2-589C-42C8-B763-56D87D9D16BD}" type="datetimeFigureOut">
               <a:rPr lang="ko-KR" altLang="en-US" smtClean="0"/>
-              <a:t>2022-07-19</a:t>
+              <a:t>2022-07-22</a:t>
             </a:fld>
             <a:endParaRPr lang="ko-KR" altLang="en-US"/>
           </a:p>
@@ -2269,7 +2269,7 @@
           <a:p>
             <a:fld id="{3F8A50C2-589C-42C8-B763-56D87D9D16BD}" type="datetimeFigureOut">
               <a:rPr lang="ko-KR" altLang="en-US" smtClean="0"/>
-              <a:t>2022-07-19</a:t>
+              <a:t>2022-07-22</a:t>
             </a:fld>
             <a:endParaRPr lang="ko-KR" altLang="en-US"/>
           </a:p>
@@ -2382,7 +2382,7 @@
           <a:p>
             <a:fld id="{3F8A50C2-589C-42C8-B763-56D87D9D16BD}" type="datetimeFigureOut">
               <a:rPr lang="ko-KR" altLang="en-US" smtClean="0"/>
-              <a:t>2022-07-19</a:t>
+              <a:t>2022-07-22</a:t>
             </a:fld>
             <a:endParaRPr lang="ko-KR" altLang="en-US"/>
           </a:p>
@@ -2642,7 +2642,7 @@
           <a:p>
             <a:fld id="{3F8A50C2-589C-42C8-B763-56D87D9D16BD}" type="datetimeFigureOut">
               <a:rPr lang="ko-KR" altLang="en-US" smtClean="0"/>
-              <a:t>2022-07-19</a:t>
+              <a:t>2022-07-22</a:t>
             </a:fld>
             <a:endParaRPr lang="ko-KR" altLang="en-US"/>
           </a:p>
@@ -2953,7 +2953,7 @@
           <a:p>
             <a:fld id="{3F8A50C2-589C-42C8-B763-56D87D9D16BD}" type="datetimeFigureOut">
               <a:rPr lang="ko-KR" altLang="en-US" smtClean="0"/>
-              <a:t>2022-07-19</a:t>
+              <a:t>2022-07-22</a:t>
             </a:fld>
             <a:endParaRPr lang="ko-KR" altLang="en-US"/>
           </a:p>
@@ -3194,7 +3194,7 @@
           <a:p>
             <a:fld id="{3F8A50C2-589C-42C8-B763-56D87D9D16BD}" type="datetimeFigureOut">
               <a:rPr lang="ko-KR" altLang="en-US" smtClean="0"/>
-              <a:t>2022-07-19</a:t>
+              <a:t>2022-07-22</a:t>
             </a:fld>
             <a:endParaRPr lang="ko-KR" altLang="en-US"/>
           </a:p>
@@ -3705,12 +3705,12 @@
             <a:p>
               <a:pPr algn="ctr"/>
               <a:r>
-                <a:rPr lang="en-US" altLang="ko-KR" sz="3600" dirty="0">
+                <a:rPr lang="en-US" altLang="ko-KR" sz="3600">
                   <a:solidFill>
                     <a:schemeClr val="bg1"/>
                   </a:solidFill>
                 </a:rPr>
-                <a:t>2022-07-18 </a:t>
+                <a:t>2022-07-19 </a:t>
               </a:r>
               <a:r>
                 <a:rPr lang="ko-KR" altLang="en-US" sz="3600" dirty="0">
